--- a/Environment Performance Indictors.pptx
+++ b/Environment Performance Indictors.pptx
@@ -4393,7 +4393,7 @@
               <a:rPr lang="en-US" smtClean="0"/>
               <a:t>10/8/2023</a:t>
             </a:fld>
-            <a:endParaRPr lang="en-US"/>
+            <a:endParaRPr lang="en-US" dirty="0"/>
           </a:p>
         </p:txBody>
       </p:sp>
@@ -4418,7 +4418,7 @@
           <a:bodyPr/>
           <a:lstStyle/>
           <a:p>
-            <a:endParaRPr lang="en-US"/>
+            <a:endParaRPr lang="en-US" dirty="0"/>
           </a:p>
         </p:txBody>
       </p:sp>
@@ -4447,7 +4447,7 @@
               <a:rPr lang="en-US" smtClean="0"/>
               <a:t>‹#›</a:t>
             </a:fld>
-            <a:endParaRPr lang="en-US"/>
+            <a:endParaRPr lang="en-US" dirty="0"/>
           </a:p>
         </p:txBody>
       </p:sp>
@@ -4591,7 +4591,7 @@
               <a:rPr lang="en-US" smtClean="0"/>
               <a:t>10/8/2023</a:t>
             </a:fld>
-            <a:endParaRPr lang="en-US"/>
+            <a:endParaRPr lang="en-US" dirty="0"/>
           </a:p>
         </p:txBody>
       </p:sp>
@@ -4616,7 +4616,7 @@
           <a:bodyPr/>
           <a:lstStyle/>
           <a:p>
-            <a:endParaRPr lang="en-US"/>
+            <a:endParaRPr lang="en-US" dirty="0"/>
           </a:p>
         </p:txBody>
       </p:sp>
@@ -4645,7 +4645,7 @@
               <a:rPr lang="en-US" smtClean="0"/>
               <a:t>‹#›</a:t>
             </a:fld>
-            <a:endParaRPr lang="en-US"/>
+            <a:endParaRPr lang="en-US" dirty="0"/>
           </a:p>
         </p:txBody>
       </p:sp>
@@ -4799,7 +4799,7 @@
               <a:rPr lang="en-US" smtClean="0"/>
               <a:t>10/8/2023</a:t>
             </a:fld>
-            <a:endParaRPr lang="en-US"/>
+            <a:endParaRPr lang="en-US" dirty="0"/>
           </a:p>
         </p:txBody>
       </p:sp>
@@ -4824,7 +4824,7 @@
           <a:bodyPr/>
           <a:lstStyle/>
           <a:p>
-            <a:endParaRPr lang="en-US"/>
+            <a:endParaRPr lang="en-US" dirty="0"/>
           </a:p>
         </p:txBody>
       </p:sp>
@@ -4853,7 +4853,7 @@
               <a:rPr lang="en-US" smtClean="0"/>
               <a:t>‹#›</a:t>
             </a:fld>
-            <a:endParaRPr lang="en-US"/>
+            <a:endParaRPr lang="en-US" dirty="0"/>
           </a:p>
         </p:txBody>
       </p:sp>
@@ -4997,7 +4997,7 @@
               <a:rPr lang="en-US" smtClean="0"/>
               <a:t>10/8/2023</a:t>
             </a:fld>
-            <a:endParaRPr lang="en-US"/>
+            <a:endParaRPr lang="en-US" dirty="0"/>
           </a:p>
         </p:txBody>
       </p:sp>
@@ -5022,7 +5022,7 @@
           <a:bodyPr/>
           <a:lstStyle/>
           <a:p>
-            <a:endParaRPr lang="en-US"/>
+            <a:endParaRPr lang="en-US" dirty="0"/>
           </a:p>
         </p:txBody>
       </p:sp>
@@ -5051,7 +5051,7 @@
               <a:rPr lang="en-US" smtClean="0"/>
               <a:t>‹#›</a:t>
             </a:fld>
-            <a:endParaRPr lang="en-US"/>
+            <a:endParaRPr lang="en-US" dirty="0"/>
           </a:p>
         </p:txBody>
       </p:sp>
@@ -5272,7 +5272,7 @@
               <a:rPr lang="en-US" smtClean="0"/>
               <a:t>10/8/2023</a:t>
             </a:fld>
-            <a:endParaRPr lang="en-US"/>
+            <a:endParaRPr lang="en-US" dirty="0"/>
           </a:p>
         </p:txBody>
       </p:sp>
@@ -5297,7 +5297,7 @@
           <a:bodyPr/>
           <a:lstStyle/>
           <a:p>
-            <a:endParaRPr lang="en-US"/>
+            <a:endParaRPr lang="en-US" dirty="0"/>
           </a:p>
         </p:txBody>
       </p:sp>
@@ -5326,7 +5326,7 @@
               <a:rPr lang="en-US" smtClean="0"/>
               <a:t>‹#›</a:t>
             </a:fld>
-            <a:endParaRPr lang="en-US"/>
+            <a:endParaRPr lang="en-US" dirty="0"/>
           </a:p>
         </p:txBody>
       </p:sp>
@@ -5537,7 +5537,7 @@
               <a:rPr lang="en-US" smtClean="0"/>
               <a:t>10/8/2023</a:t>
             </a:fld>
-            <a:endParaRPr lang="en-US"/>
+            <a:endParaRPr lang="en-US" dirty="0"/>
           </a:p>
         </p:txBody>
       </p:sp>
@@ -5562,7 +5562,7 @@
           <a:bodyPr/>
           <a:lstStyle/>
           <a:p>
-            <a:endParaRPr lang="en-US"/>
+            <a:endParaRPr lang="en-US" dirty="0"/>
           </a:p>
         </p:txBody>
       </p:sp>
@@ -5591,7 +5591,7 @@
               <a:rPr lang="en-US" smtClean="0"/>
               <a:t>‹#›</a:t>
             </a:fld>
-            <a:endParaRPr lang="en-US"/>
+            <a:endParaRPr lang="en-US" dirty="0"/>
           </a:p>
         </p:txBody>
       </p:sp>
@@ -5949,7 +5949,7 @@
               <a:rPr lang="en-US" smtClean="0"/>
               <a:t>10/8/2023</a:t>
             </a:fld>
-            <a:endParaRPr lang="en-US"/>
+            <a:endParaRPr lang="en-US" dirty="0"/>
           </a:p>
         </p:txBody>
       </p:sp>
@@ -5974,7 +5974,7 @@
           <a:bodyPr/>
           <a:lstStyle/>
           <a:p>
-            <a:endParaRPr lang="en-US"/>
+            <a:endParaRPr lang="en-US" dirty="0"/>
           </a:p>
         </p:txBody>
       </p:sp>
@@ -6003,7 +6003,7 @@
               <a:rPr lang="en-US" smtClean="0"/>
               <a:t>‹#›</a:t>
             </a:fld>
-            <a:endParaRPr lang="en-US"/>
+            <a:endParaRPr lang="en-US" dirty="0"/>
           </a:p>
         </p:txBody>
       </p:sp>
@@ -6090,7 +6090,7 @@
               <a:rPr lang="en-US" smtClean="0"/>
               <a:t>10/8/2023</a:t>
             </a:fld>
-            <a:endParaRPr lang="en-US"/>
+            <a:endParaRPr lang="en-US" dirty="0"/>
           </a:p>
         </p:txBody>
       </p:sp>
@@ -6115,7 +6115,7 @@
           <a:bodyPr/>
           <a:lstStyle/>
           <a:p>
-            <a:endParaRPr lang="en-US"/>
+            <a:endParaRPr lang="en-US" dirty="0"/>
           </a:p>
         </p:txBody>
       </p:sp>
@@ -6144,7 +6144,7 @@
               <a:rPr lang="en-US" smtClean="0"/>
               <a:t>‹#›</a:t>
             </a:fld>
-            <a:endParaRPr lang="en-US"/>
+            <a:endParaRPr lang="en-US" dirty="0"/>
           </a:p>
         </p:txBody>
       </p:sp>
@@ -6203,7 +6203,7 @@
               <a:rPr lang="en-US" smtClean="0"/>
               <a:t>10/8/2023</a:t>
             </a:fld>
-            <a:endParaRPr lang="en-US"/>
+            <a:endParaRPr lang="en-US" dirty="0"/>
           </a:p>
         </p:txBody>
       </p:sp>
@@ -6228,7 +6228,7 @@
           <a:bodyPr/>
           <a:lstStyle/>
           <a:p>
-            <a:endParaRPr lang="en-US"/>
+            <a:endParaRPr lang="en-US" dirty="0"/>
           </a:p>
         </p:txBody>
       </p:sp>
@@ -6257,7 +6257,7 @@
               <a:rPr lang="en-US" smtClean="0"/>
               <a:t>‹#›</a:t>
             </a:fld>
-            <a:endParaRPr lang="en-US"/>
+            <a:endParaRPr lang="en-US" dirty="0"/>
           </a:p>
         </p:txBody>
       </p:sp>
@@ -6514,7 +6514,7 @@
               <a:rPr lang="en-US" smtClean="0"/>
               <a:t>10/8/2023</a:t>
             </a:fld>
-            <a:endParaRPr lang="en-US"/>
+            <a:endParaRPr lang="en-US" dirty="0"/>
           </a:p>
         </p:txBody>
       </p:sp>
@@ -6539,7 +6539,7 @@
           <a:bodyPr/>
           <a:lstStyle/>
           <a:p>
-            <a:endParaRPr lang="en-US"/>
+            <a:endParaRPr lang="en-US" dirty="0"/>
           </a:p>
         </p:txBody>
       </p:sp>
@@ -6568,7 +6568,7 @@
               <a:rPr lang="en-US" smtClean="0"/>
               <a:t>‹#›</a:t>
             </a:fld>
-            <a:endParaRPr lang="en-US"/>
+            <a:endParaRPr lang="en-US" dirty="0"/>
           </a:p>
         </p:txBody>
       </p:sp>
@@ -6702,7 +6702,7 @@
             </a:lvl9pPr>
           </a:lstStyle>
           <a:p>
-            <a:endParaRPr lang="en-US"/>
+            <a:endParaRPr lang="en-US" dirty="0"/>
           </a:p>
         </p:txBody>
       </p:sp>
@@ -6802,7 +6802,7 @@
               <a:rPr lang="en-US" smtClean="0"/>
               <a:t>10/8/2023</a:t>
             </a:fld>
-            <a:endParaRPr lang="en-US"/>
+            <a:endParaRPr lang="en-US" dirty="0"/>
           </a:p>
         </p:txBody>
       </p:sp>
@@ -6827,7 +6827,7 @@
           <a:bodyPr/>
           <a:lstStyle/>
           <a:p>
-            <a:endParaRPr lang="en-US"/>
+            <a:endParaRPr lang="en-US" dirty="0"/>
           </a:p>
         </p:txBody>
       </p:sp>
@@ -6856,7 +6856,7 @@
               <a:rPr lang="en-US" smtClean="0"/>
               <a:t>‹#›</a:t>
             </a:fld>
-            <a:endParaRPr lang="en-US"/>
+            <a:endParaRPr lang="en-US" dirty="0"/>
           </a:p>
         </p:txBody>
       </p:sp>
@@ -7043,7 +7043,7 @@
               <a:rPr lang="en-US" smtClean="0"/>
               <a:t>10/8/2023</a:t>
             </a:fld>
-            <a:endParaRPr lang="en-US"/>
+            <a:endParaRPr lang="en-US" dirty="0"/>
           </a:p>
         </p:txBody>
       </p:sp>
@@ -7086,7 +7086,7 @@
             </a:lvl1pPr>
           </a:lstStyle>
           <a:p>
-            <a:endParaRPr lang="en-US"/>
+            <a:endParaRPr lang="en-US" dirty="0"/>
           </a:p>
         </p:txBody>
       </p:sp>
@@ -7133,7 +7133,7 @@
               <a:rPr lang="en-US" smtClean="0"/>
               <a:t>‹#›</a:t>
             </a:fld>
-            <a:endParaRPr lang="en-US"/>
+            <a:endParaRPr lang="en-US" dirty="0"/>
           </a:p>
         </p:txBody>
       </p:sp>
@@ -7538,7 +7538,7 @@
           <a:lstStyle/>
           <a:p>
             <a:pPr algn="ctr"/>
-            <a:endParaRPr lang="en-US"/>
+            <a:endParaRPr lang="en-US" dirty="0"/>
           </a:p>
         </p:txBody>
       </p:sp>
@@ -7611,7 +7611,7 @@
           <a:lstStyle/>
           <a:p>
             <a:pPr algn="ctr"/>
-            <a:endParaRPr lang="en-US"/>
+            <a:endParaRPr lang="en-US" dirty="0"/>
           </a:p>
         </p:txBody>
       </p:sp>
@@ -7847,7 +7847,7 @@
           <a:lstStyle/>
           <a:p>
             <a:pPr algn="ctr"/>
-            <a:endParaRPr lang="en-US"/>
+            <a:endParaRPr lang="en-US" dirty="0"/>
           </a:p>
         </p:txBody>
       </p:sp>
@@ -7923,7 +7923,7 @@
           <a:lstStyle/>
           <a:p>
             <a:pPr algn="ctr"/>
-            <a:endParaRPr lang="en-US"/>
+            <a:endParaRPr lang="en-US" dirty="0"/>
           </a:p>
         </p:txBody>
       </p:sp>
@@ -9384,7 +9384,7 @@
             </a:lstStyle>
             <a:p>
               <a:pPr algn="ctr"/>
-              <a:endParaRPr lang="en-US"/>
+              <a:endParaRPr lang="en-US" dirty="0"/>
             </a:p>
           </p:txBody>
         </p:sp>
@@ -12259,7 +12259,7 @@
           <a:lstStyle/>
           <a:p>
             <a:pPr algn="ctr"/>
-            <a:endParaRPr lang="en-US"/>
+            <a:endParaRPr lang="en-US" dirty="0"/>
           </a:p>
         </p:txBody>
       </p:sp>
@@ -12325,7 +12325,7 @@
           <a:lstStyle/>
           <a:p>
             <a:pPr algn="ctr"/>
-            <a:endParaRPr lang="en-US"/>
+            <a:endParaRPr lang="en-US" dirty="0"/>
           </a:p>
         </p:txBody>
       </p:sp>
@@ -13574,7 +13574,519 @@
                 <a:latin typeface="Arial" panose="020B0604020202020204" pitchFamily="34" charset="0"/>
                 <a:cs typeface="Arial" panose="020B0604020202020204" pitchFamily="34" charset="0"/>
               </a:rPr>
-              <a:t>Next Steps</a:t>
+              <a:t>Next Steps &amp; References</a:t>
+            </a:r>
+          </a:p>
+        </p:txBody>
+      </p:sp>
+      <p:sp>
+        <p:nvSpPr>
+          <p:cNvPr id="2" name="TextBox 1">
+            <a:extLst>
+              <a:ext uri="{FF2B5EF4-FFF2-40B4-BE49-F238E27FC236}">
+                <a16:creationId xmlns:a16="http://schemas.microsoft.com/office/drawing/2014/main" id="{BEF9A5A6-1EE0-EB31-6D2C-0F3F05BD0D4A}"/>
+              </a:ext>
+            </a:extLst>
+          </p:cNvPr>
+          <p:cNvSpPr txBox="1"/>
+          <p:nvPr/>
+        </p:nvSpPr>
+        <p:spPr>
+          <a:xfrm>
+            <a:off x="2407310" y="4227178"/>
+            <a:ext cx="7894611" cy="2131353"/>
+          </a:xfrm>
+          <a:prstGeom prst="rect">
+            <a:avLst/>
+          </a:prstGeom>
+          <a:noFill/>
+          <a:ln>
+            <a:solidFill>
+              <a:schemeClr val="bg1">
+                <a:lumMod val="85000"/>
+              </a:schemeClr>
+            </a:solidFill>
+          </a:ln>
+        </p:spPr>
+        <p:txBody>
+          <a:bodyPr wrap="square">
+            <a:spAutoFit/>
+          </a:bodyPr>
+          <a:lstStyle>
+            <a:defPPr>
+              <a:defRPr lang="en-US"/>
+            </a:defPPr>
+            <a:lvl1pPr marL="0" algn="l" defTabSz="914400" rtl="0" eaLnBrk="1" latinLnBrk="0" hangingPunct="1">
+              <a:defRPr sz="1800" kern="1200">
+                <a:solidFill>
+                  <a:schemeClr val="tx1"/>
+                </a:solidFill>
+                <a:latin typeface="+mn-lt"/>
+                <a:ea typeface="+mn-ea"/>
+                <a:cs typeface="+mn-cs"/>
+              </a:defRPr>
+            </a:lvl1pPr>
+            <a:lvl2pPr marL="457200" algn="l" defTabSz="914400" rtl="0" eaLnBrk="1" latinLnBrk="0" hangingPunct="1">
+              <a:defRPr sz="1800" kern="1200">
+                <a:solidFill>
+                  <a:schemeClr val="tx1"/>
+                </a:solidFill>
+                <a:latin typeface="+mn-lt"/>
+                <a:ea typeface="+mn-ea"/>
+                <a:cs typeface="+mn-cs"/>
+              </a:defRPr>
+            </a:lvl2pPr>
+            <a:lvl3pPr marL="914400" algn="l" defTabSz="914400" rtl="0" eaLnBrk="1" latinLnBrk="0" hangingPunct="1">
+              <a:defRPr sz="1800" kern="1200">
+                <a:solidFill>
+                  <a:schemeClr val="tx1"/>
+                </a:solidFill>
+                <a:latin typeface="+mn-lt"/>
+                <a:ea typeface="+mn-ea"/>
+                <a:cs typeface="+mn-cs"/>
+              </a:defRPr>
+            </a:lvl3pPr>
+            <a:lvl4pPr marL="1371600" algn="l" defTabSz="914400" rtl="0" eaLnBrk="1" latinLnBrk="0" hangingPunct="1">
+              <a:defRPr sz="1800" kern="1200">
+                <a:solidFill>
+                  <a:schemeClr val="tx1"/>
+                </a:solidFill>
+                <a:latin typeface="+mn-lt"/>
+                <a:ea typeface="+mn-ea"/>
+                <a:cs typeface="+mn-cs"/>
+              </a:defRPr>
+            </a:lvl4pPr>
+            <a:lvl5pPr marL="1828800" algn="l" defTabSz="914400" rtl="0" eaLnBrk="1" latinLnBrk="0" hangingPunct="1">
+              <a:defRPr sz="1800" kern="1200">
+                <a:solidFill>
+                  <a:schemeClr val="tx1"/>
+                </a:solidFill>
+                <a:latin typeface="+mn-lt"/>
+                <a:ea typeface="+mn-ea"/>
+                <a:cs typeface="+mn-cs"/>
+              </a:defRPr>
+            </a:lvl5pPr>
+            <a:lvl6pPr marL="2286000" algn="l" defTabSz="914400" rtl="0" eaLnBrk="1" latinLnBrk="0" hangingPunct="1">
+              <a:defRPr sz="1800" kern="1200">
+                <a:solidFill>
+                  <a:schemeClr val="tx1"/>
+                </a:solidFill>
+                <a:latin typeface="+mn-lt"/>
+                <a:ea typeface="+mn-ea"/>
+                <a:cs typeface="+mn-cs"/>
+              </a:defRPr>
+            </a:lvl6pPr>
+            <a:lvl7pPr marL="2743200" algn="l" defTabSz="914400" rtl="0" eaLnBrk="1" latinLnBrk="0" hangingPunct="1">
+              <a:defRPr sz="1800" kern="1200">
+                <a:solidFill>
+                  <a:schemeClr val="tx1"/>
+                </a:solidFill>
+                <a:latin typeface="+mn-lt"/>
+                <a:ea typeface="+mn-ea"/>
+                <a:cs typeface="+mn-cs"/>
+              </a:defRPr>
+            </a:lvl7pPr>
+            <a:lvl8pPr marL="3200400" algn="l" defTabSz="914400" rtl="0" eaLnBrk="1" latinLnBrk="0" hangingPunct="1">
+              <a:defRPr sz="1800" kern="1200">
+                <a:solidFill>
+                  <a:schemeClr val="tx1"/>
+                </a:solidFill>
+                <a:latin typeface="+mn-lt"/>
+                <a:ea typeface="+mn-ea"/>
+                <a:cs typeface="+mn-cs"/>
+              </a:defRPr>
+            </a:lvl8pPr>
+            <a:lvl9pPr marL="3657600" algn="l" defTabSz="914400" rtl="0" eaLnBrk="1" latinLnBrk="0" hangingPunct="1">
+              <a:defRPr sz="1800" kern="1200">
+                <a:solidFill>
+                  <a:schemeClr val="tx1"/>
+                </a:solidFill>
+                <a:latin typeface="+mn-lt"/>
+                <a:ea typeface="+mn-ea"/>
+                <a:cs typeface="+mn-cs"/>
+              </a:defRPr>
+            </a:lvl9pPr>
+          </a:lstStyle>
+          <a:p>
+            <a:pPr marR="0" lvl="0" algn="l" defTabSz="457200" rtl="0" eaLnBrk="0" fontAlgn="base" latinLnBrk="0" hangingPunct="0">
+              <a:lnSpc>
+                <a:spcPct val="100000"/>
+              </a:lnSpc>
+              <a:spcBef>
+                <a:spcPts val="300"/>
+              </a:spcBef>
+              <a:spcAft>
+                <a:spcPts val="300"/>
+              </a:spcAft>
+              <a:buClrTx/>
+              <a:buSzTx/>
+              <a:tabLst/>
+              <a:defRPr/>
+            </a:pPr>
+            <a:endParaRPr lang="en-US" sz="1000" dirty="0"/>
+          </a:p>
+          <a:p>
+            <a:pPr algn="l"/>
+            <a:r>
+              <a:rPr lang="en-US" sz="1200" b="0" i="0" dirty="0">
+                <a:solidFill>
+                  <a:srgbClr val="1B1B1B"/>
+                </a:solidFill>
+                <a:effectLst/>
+                <a:latin typeface="__Fira_Sans_50a381"/>
+                <a:hlinkClick r:id="rId2"/>
+              </a:rPr>
+              <a:t>NASA - Environment performance index</a:t>
+            </a:r>
+            <a:endParaRPr lang="en-US" sz="1200" b="0" i="0" dirty="0">
+              <a:solidFill>
+                <a:srgbClr val="1B1B1B"/>
+              </a:solidFill>
+              <a:effectLst/>
+              <a:latin typeface="__Fira_Sans_50a381"/>
+            </a:endParaRPr>
+          </a:p>
+          <a:p>
+            <a:pPr algn="l"/>
+            <a:r>
+              <a:rPr lang="en-US" sz="1200" b="0" i="0" dirty="0">
+                <a:solidFill>
+                  <a:srgbClr val="1B1B1B"/>
+                </a:solidFill>
+                <a:effectLst/>
+                <a:latin typeface="__Fira_Sans_50a381"/>
+                <a:hlinkClick r:id="rId3"/>
+              </a:rPr>
+              <a:t>EPA - Pre Generated AIR quality files</a:t>
+            </a:r>
+            <a:endParaRPr lang="en-US" sz="1200" b="0" i="0" dirty="0">
+              <a:solidFill>
+                <a:srgbClr val="1B1B1B"/>
+              </a:solidFill>
+              <a:effectLst/>
+              <a:latin typeface="__Fira_Sans_50a381"/>
+            </a:endParaRPr>
+          </a:p>
+          <a:p>
+            <a:pPr algn="l"/>
+            <a:r>
+              <a:rPr lang="en-US" sz="1200" b="0" i="0" dirty="0">
+                <a:solidFill>
+                  <a:srgbClr val="1B1B1B"/>
+                </a:solidFill>
+                <a:effectLst/>
+                <a:latin typeface="__Fira_Sans_50a381"/>
+                <a:hlinkClick r:id="rId4"/>
+              </a:rPr>
+              <a:t>EPA - NASA air quality</a:t>
+            </a:r>
+            <a:endParaRPr lang="en-US" sz="1200" b="0" i="0" dirty="0">
+              <a:solidFill>
+                <a:srgbClr val="1B1B1B"/>
+              </a:solidFill>
+              <a:effectLst/>
+              <a:latin typeface="__Fira_Sans_50a381"/>
+            </a:endParaRPr>
+          </a:p>
+          <a:p>
+            <a:pPr algn="l"/>
+            <a:r>
+              <a:rPr lang="en-US" sz="1200" b="0" i="0" dirty="0">
+                <a:solidFill>
+                  <a:srgbClr val="1B1B1B"/>
+                </a:solidFill>
+                <a:effectLst/>
+                <a:latin typeface="__Fira_Sans_50a381"/>
+                <a:hlinkClick r:id="rId5"/>
+              </a:rPr>
+              <a:t>EPA - Water Quality</a:t>
+            </a:r>
+            <a:endParaRPr lang="en-US" sz="1200" b="0" i="0" dirty="0">
+              <a:solidFill>
+                <a:srgbClr val="1B1B1B"/>
+              </a:solidFill>
+              <a:effectLst/>
+              <a:latin typeface="__Fira_Sans_50a381"/>
+            </a:endParaRPr>
+          </a:p>
+          <a:p>
+            <a:pPr algn="l"/>
+            <a:r>
+              <a:rPr lang="en-US" sz="1200" b="0" i="0" dirty="0">
+                <a:solidFill>
+                  <a:srgbClr val="1B1B1B"/>
+                </a:solidFill>
+                <a:effectLst/>
+                <a:latin typeface="__Fira_Sans_50a381"/>
+                <a:hlinkClick r:id="rId6"/>
+              </a:rPr>
+              <a:t>EPA - Water Quality Portal</a:t>
+            </a:r>
+            <a:endParaRPr lang="en-US" sz="1200" b="0" i="0" dirty="0">
+              <a:solidFill>
+                <a:srgbClr val="1B1B1B"/>
+              </a:solidFill>
+              <a:effectLst/>
+              <a:latin typeface="__Fira_Sans_50a381"/>
+            </a:endParaRPr>
+          </a:p>
+          <a:p>
+            <a:pPr algn="l"/>
+            <a:r>
+              <a:rPr lang="en-US" sz="1200" b="0" i="0" dirty="0">
+                <a:solidFill>
+                  <a:srgbClr val="1B1B1B"/>
+                </a:solidFill>
+                <a:effectLst/>
+                <a:latin typeface="__Fira_Sans_50a381"/>
+                <a:hlinkClick r:id="rId7"/>
+              </a:rPr>
+              <a:t>NRDC - Causes of Climate change</a:t>
+            </a:r>
+            <a:endParaRPr lang="en-US" sz="1200" b="0" i="0" dirty="0">
+              <a:solidFill>
+                <a:srgbClr val="1B1B1B"/>
+              </a:solidFill>
+              <a:effectLst/>
+              <a:latin typeface="__Fira_Sans_50a381"/>
+            </a:endParaRPr>
+          </a:p>
+          <a:p>
+            <a:pPr algn="l"/>
+            <a:r>
+              <a:rPr lang="en-US" sz="1200" b="0" i="0" dirty="0">
+                <a:solidFill>
+                  <a:srgbClr val="1B1B1B"/>
+                </a:solidFill>
+                <a:effectLst/>
+                <a:latin typeface="__Fira_Sans_50a381"/>
+                <a:hlinkClick r:id="rId8"/>
+              </a:rPr>
+              <a:t>EPA - Causes of climate change</a:t>
+            </a:r>
+            <a:endParaRPr lang="en-US" sz="1200" b="0" i="0" dirty="0">
+              <a:solidFill>
+                <a:srgbClr val="1B1B1B"/>
+              </a:solidFill>
+              <a:effectLst/>
+              <a:latin typeface="__Fira_Sans_50a381"/>
+            </a:endParaRPr>
+          </a:p>
+          <a:p>
+            <a:pPr algn="l"/>
+            <a:r>
+              <a:rPr lang="en-US" sz="1200" b="0" i="0" dirty="0">
+                <a:solidFill>
+                  <a:srgbClr val="1B1B1B"/>
+                </a:solidFill>
+                <a:effectLst/>
+                <a:latin typeface="__Fira_Sans_50a381"/>
+                <a:hlinkClick r:id="rId9"/>
+              </a:rPr>
+              <a:t>United Nations - Climate Change</a:t>
+            </a:r>
+            <a:endParaRPr lang="en-US" sz="1200" b="0" i="0" dirty="0">
+              <a:solidFill>
+                <a:srgbClr val="1B1B1B"/>
+              </a:solidFill>
+              <a:effectLst/>
+              <a:latin typeface="__Fira_Sans_50a381"/>
+            </a:endParaRPr>
+          </a:p>
+          <a:p>
+            <a:pPr algn="l"/>
+            <a:r>
+              <a:rPr lang="en-US" sz="1200" b="0" i="0" dirty="0">
+                <a:solidFill>
+                  <a:srgbClr val="1B1B1B"/>
+                </a:solidFill>
+                <a:effectLst/>
+                <a:latin typeface="__Fira_Sans_50a381"/>
+                <a:hlinkClick r:id="rId10"/>
+              </a:rPr>
+              <a:t>Research Data</a:t>
+            </a:r>
+            <a:endParaRPr lang="en-US" sz="1200" b="0" i="0" dirty="0">
+              <a:solidFill>
+                <a:srgbClr val="1B1B1B"/>
+              </a:solidFill>
+              <a:effectLst/>
+              <a:latin typeface="__Fira_Sans_50a381"/>
+            </a:endParaRPr>
+          </a:p>
+          <a:p>
+            <a:pPr algn="l"/>
+            <a:r>
+              <a:rPr lang="en-US" sz="1200" b="0" i="0" dirty="0">
+                <a:solidFill>
+                  <a:srgbClr val="1B1B1B"/>
+                </a:solidFill>
+                <a:effectLst/>
+                <a:latin typeface="__Fira_Sans_50a381"/>
+                <a:hlinkClick r:id="rId11"/>
+              </a:rPr>
+              <a:t>NASA - Climate Change</a:t>
+            </a:r>
+            <a:endParaRPr lang="en-US" sz="1200" b="0" i="0" dirty="0">
+              <a:solidFill>
+                <a:srgbClr val="1B1B1B"/>
+              </a:solidFill>
+              <a:effectLst/>
+              <a:latin typeface="__Fira_Sans_50a381"/>
+            </a:endParaRPr>
+          </a:p>
+        </p:txBody>
+      </p:sp>
+      <p:sp>
+        <p:nvSpPr>
+          <p:cNvPr id="3" name="Rectangle 2">
+            <a:extLst>
+              <a:ext uri="{FF2B5EF4-FFF2-40B4-BE49-F238E27FC236}">
+                <a16:creationId xmlns:a16="http://schemas.microsoft.com/office/drawing/2014/main" id="{F888FF95-F06C-D9AF-56FC-5F0751EDA129}"/>
+              </a:ext>
+            </a:extLst>
+          </p:cNvPr>
+          <p:cNvSpPr/>
+          <p:nvPr/>
+        </p:nvSpPr>
+        <p:spPr bwMode="auto">
+          <a:xfrm>
+            <a:off x="2407310" y="3896318"/>
+            <a:ext cx="7894610" cy="360159"/>
+          </a:xfrm>
+          <a:prstGeom prst="rect">
+            <a:avLst/>
+          </a:prstGeom>
+          <a:solidFill>
+            <a:schemeClr val="accent1">
+              <a:lumMod val="50000"/>
+            </a:schemeClr>
+          </a:solidFill>
+          <a:ln w="9525" cap="flat" cmpd="sng" algn="ctr">
+            <a:noFill/>
+            <a:prstDash val="solid"/>
+          </a:ln>
+          <a:effectLst/>
+        </p:spPr>
+        <p:txBody>
+          <a:bodyPr rtlCol="0" anchor="ctr"/>
+          <a:lstStyle>
+            <a:defPPr>
+              <a:defRPr lang="en-US"/>
+            </a:defPPr>
+            <a:lvl1pPr marL="0" algn="l" defTabSz="914400" rtl="0" eaLnBrk="1" latinLnBrk="0" hangingPunct="1">
+              <a:defRPr sz="1800" kern="1200">
+                <a:solidFill>
+                  <a:schemeClr val="tx1"/>
+                </a:solidFill>
+                <a:latin typeface="+mn-lt"/>
+                <a:ea typeface="+mn-ea"/>
+                <a:cs typeface="+mn-cs"/>
+              </a:defRPr>
+            </a:lvl1pPr>
+            <a:lvl2pPr marL="457200" algn="l" defTabSz="914400" rtl="0" eaLnBrk="1" latinLnBrk="0" hangingPunct="1">
+              <a:defRPr sz="1800" kern="1200">
+                <a:solidFill>
+                  <a:schemeClr val="tx1"/>
+                </a:solidFill>
+                <a:latin typeface="+mn-lt"/>
+                <a:ea typeface="+mn-ea"/>
+                <a:cs typeface="+mn-cs"/>
+              </a:defRPr>
+            </a:lvl2pPr>
+            <a:lvl3pPr marL="914400" algn="l" defTabSz="914400" rtl="0" eaLnBrk="1" latinLnBrk="0" hangingPunct="1">
+              <a:defRPr sz="1800" kern="1200">
+                <a:solidFill>
+                  <a:schemeClr val="tx1"/>
+                </a:solidFill>
+                <a:latin typeface="+mn-lt"/>
+                <a:ea typeface="+mn-ea"/>
+                <a:cs typeface="+mn-cs"/>
+              </a:defRPr>
+            </a:lvl3pPr>
+            <a:lvl4pPr marL="1371600" algn="l" defTabSz="914400" rtl="0" eaLnBrk="1" latinLnBrk="0" hangingPunct="1">
+              <a:defRPr sz="1800" kern="1200">
+                <a:solidFill>
+                  <a:schemeClr val="tx1"/>
+                </a:solidFill>
+                <a:latin typeface="+mn-lt"/>
+                <a:ea typeface="+mn-ea"/>
+                <a:cs typeface="+mn-cs"/>
+              </a:defRPr>
+            </a:lvl4pPr>
+            <a:lvl5pPr marL="1828800" algn="l" defTabSz="914400" rtl="0" eaLnBrk="1" latinLnBrk="0" hangingPunct="1">
+              <a:defRPr sz="1800" kern="1200">
+                <a:solidFill>
+                  <a:schemeClr val="tx1"/>
+                </a:solidFill>
+                <a:latin typeface="+mn-lt"/>
+                <a:ea typeface="+mn-ea"/>
+                <a:cs typeface="+mn-cs"/>
+              </a:defRPr>
+            </a:lvl5pPr>
+            <a:lvl6pPr marL="2286000" algn="l" defTabSz="914400" rtl="0" eaLnBrk="1" latinLnBrk="0" hangingPunct="1">
+              <a:defRPr sz="1800" kern="1200">
+                <a:solidFill>
+                  <a:schemeClr val="tx1"/>
+                </a:solidFill>
+                <a:latin typeface="+mn-lt"/>
+                <a:ea typeface="+mn-ea"/>
+                <a:cs typeface="+mn-cs"/>
+              </a:defRPr>
+            </a:lvl6pPr>
+            <a:lvl7pPr marL="2743200" algn="l" defTabSz="914400" rtl="0" eaLnBrk="1" latinLnBrk="0" hangingPunct="1">
+              <a:defRPr sz="1800" kern="1200">
+                <a:solidFill>
+                  <a:schemeClr val="tx1"/>
+                </a:solidFill>
+                <a:latin typeface="+mn-lt"/>
+                <a:ea typeface="+mn-ea"/>
+                <a:cs typeface="+mn-cs"/>
+              </a:defRPr>
+            </a:lvl7pPr>
+            <a:lvl8pPr marL="3200400" algn="l" defTabSz="914400" rtl="0" eaLnBrk="1" latinLnBrk="0" hangingPunct="1">
+              <a:defRPr sz="1800" kern="1200">
+                <a:solidFill>
+                  <a:schemeClr val="tx1"/>
+                </a:solidFill>
+                <a:latin typeface="+mn-lt"/>
+                <a:ea typeface="+mn-ea"/>
+                <a:cs typeface="+mn-cs"/>
+              </a:defRPr>
+            </a:lvl8pPr>
+            <a:lvl9pPr marL="3657600" algn="l" defTabSz="914400" rtl="0" eaLnBrk="1" latinLnBrk="0" hangingPunct="1">
+              <a:defRPr sz="1800" kern="1200">
+                <a:solidFill>
+                  <a:schemeClr val="tx1"/>
+                </a:solidFill>
+                <a:latin typeface="+mn-lt"/>
+                <a:ea typeface="+mn-ea"/>
+                <a:cs typeface="+mn-cs"/>
+              </a:defRPr>
+            </a:lvl9pPr>
+          </a:lstStyle>
+          <a:p>
+            <a:pPr indent="-431785" defTabSz="457200" eaLnBrk="0" fontAlgn="base" hangingPunct="0">
+              <a:spcBef>
+                <a:spcPct val="0"/>
+              </a:spcBef>
+              <a:spcAft>
+                <a:spcPts val="600"/>
+              </a:spcAft>
+              <a:tabLst>
+                <a:tab pos="341313" algn="l"/>
+              </a:tabLst>
+            </a:pPr>
+            <a:r>
+              <a:rPr lang="en-US" sz="1400" b="1" kern="0" dirty="0">
+                <a:solidFill>
+                  <a:srgbClr val="FFFFFF"/>
+                </a:solidFill>
+                <a:latin typeface="Calibiri"/>
+                <a:ea typeface="ＭＳ Ｐゴシック" pitchFamily="-12" charset="-128"/>
+                <a:cs typeface="Calibri" panose="020F0502020204030204" pitchFamily="34" charset="0"/>
+              </a:rPr>
+              <a:t>                                                                          References</a:t>
             </a:r>
           </a:p>
         </p:txBody>

--- a/Environment Performance Indictors.pptx
+++ b/Environment Performance Indictors.pptx
@@ -986,7 +986,7 @@
               <a:ea typeface="Helvetica Neue" panose="02000503000000020004" pitchFamily="2" charset="0"/>
               <a:cs typeface="Arial" panose="020B0604020202020204" pitchFamily="34" charset="0"/>
             </a:rPr>
-            <a:t>Consistent Data Platform</a:t>
+            <a:t>Unified Environment Data Platform</a:t>
           </a:r>
         </a:p>
       </dgm:t>
@@ -1056,7 +1056,7 @@
               <a:ea typeface="Helvetica Neue" panose="02000503000000020004" pitchFamily="2" charset="0"/>
               <a:cs typeface="Arial" panose="020B0604020202020204" pitchFamily="34" charset="0"/>
             </a:rPr>
-            <a:t>Easy Data Loads</a:t>
+            <a:t>Easy Environment Data Loads</a:t>
           </a:r>
         </a:p>
       </dgm:t>
@@ -1362,7 +1362,7 @@
               <a:ea typeface="Helvetica Neue" panose="02000503000000020004" pitchFamily="2" charset="0"/>
               <a:cs typeface="Arial" panose="020B0604020202020204" pitchFamily="34" charset="0"/>
             </a:rPr>
-            <a:t>Available at one place</a:t>
+            <a:t>Data available at one place</a:t>
           </a:r>
         </a:p>
       </dgm:t>
@@ -1591,7 +1591,7 @@
               <a:ea typeface="Helvetica Neue" panose="02000503000000020004" pitchFamily="2" charset="0"/>
               <a:cs typeface="Arial" panose="020B0604020202020204" pitchFamily="34" charset="0"/>
             </a:rPr>
-            <a:t>Data can be easily used for Analytics</a:t>
+            <a:t>Advanced Analytics possible on the data</a:t>
           </a:r>
         </a:p>
         <a:p>
@@ -2074,7 +2074,7 @@
               <a:ea typeface="Helvetica Neue" panose="02000503000000020004" pitchFamily="2" charset="0"/>
               <a:cs typeface="Arial" panose="020B0604020202020204" pitchFamily="34" charset="0"/>
             </a:rPr>
-            <a:t>Consistent Data Platform</a:t>
+            <a:t>Unified Environment Data Platform</a:t>
           </a:r>
         </a:p>
       </dsp:txBody>
@@ -2167,7 +2167,7 @@
               <a:ea typeface="Helvetica Neue" panose="02000503000000020004" pitchFamily="2" charset="0"/>
               <a:cs typeface="Arial" panose="020B0604020202020204" pitchFamily="34" charset="0"/>
             </a:rPr>
-            <a:t>Easy Data Loads</a:t>
+            <a:t>Easy Environment Data Loads</a:t>
           </a:r>
         </a:p>
       </dsp:txBody>
@@ -2260,7 +2260,7 @@
               <a:ea typeface="Helvetica Neue" panose="02000503000000020004" pitchFamily="2" charset="0"/>
               <a:cs typeface="Arial" panose="020B0604020202020204" pitchFamily="34" charset="0"/>
             </a:rPr>
-            <a:t>Available at one place</a:t>
+            <a:t>Data available at one place</a:t>
           </a:r>
         </a:p>
       </dsp:txBody>
@@ -2381,7 +2381,7 @@
               <a:ea typeface="Helvetica Neue" panose="02000503000000020004" pitchFamily="2" charset="0"/>
               <a:cs typeface="Arial" panose="020B0604020202020204" pitchFamily="34" charset="0"/>
             </a:rPr>
-            <a:t>Data can be easily used for Analytics</a:t>
+            <a:t>Advanced Analytics possible on the data</a:t>
           </a:r>
         </a:p>
         <a:p>
@@ -11985,7 +11985,7 @@
             <p:nvPr>
               <p:extLst>
                 <p:ext uri="{D42A27DB-BD31-4B8C-83A1-F6EECF244321}">
-                  <p14:modId xmlns:p14="http://schemas.microsoft.com/office/powerpoint/2010/main" val="619096598"/>
+                  <p14:modId xmlns:p14="http://schemas.microsoft.com/office/powerpoint/2010/main" val="2320169974"/>
                 </p:ext>
               </p:extLst>
             </p:nvPr>
